--- a/turing-completeness-and-template-metaprogramming/turing-completeness-and-template-metaprogramming.pptx
+++ b/turing-completeness-and-template-metaprogramming/turing-completeness-and-template-metaprogramming.pptx
@@ -1689,7 +1689,7 @@
         </p:nvSpPr>
         <p:spPr>
           <a:xfrm>
-            <a:off x="381300" y="685800"/>
+            <a:off x="381000" y="685800"/>
             <a:ext cx="6096000" cy="3429000"/>
           </a:xfrm>
           <a:custGeom>
@@ -15709,7 +15709,13 @@
         <p:nvGraphicFramePr>
           <p:cNvPr id="199" name="Google Shape;199;p31"/>
           <p:cNvGraphicFramePr/>
-          <p:nvPr/>
+          <p:nvPr>
+            <p:extLst>
+              <p:ext uri="{D42A27DB-BD31-4B8C-83A1-F6EECF244321}">
+                <p14:modId xmlns:p14="http://schemas.microsoft.com/office/powerpoint/2010/main" val="3037640755"/>
+              </p:ext>
+            </p:extLst>
+          </p:nvPr>
         </p:nvGraphicFramePr>
         <p:xfrm>
           <a:off x="311700" y="2381250"/>
@@ -15747,24 +15753,69 @@
                         <a:buNone/>
                       </a:pPr>
                       <a:r>
-                        <a:rPr lang="en">
+                        <a:rPr lang="en" dirty="0">
                           <a:latin typeface="Consolas"/>
                           <a:ea typeface="Consolas"/>
                           <a:cs typeface="Consolas"/>
                           <a:sym typeface="Consolas"/>
                         </a:rPr>
-                        <a:t>#include &lt;type_traits&gt;      </a:t>
+                        <a:t>#include &lt;</a:t>
                       </a:r>
                       <a:r>
-                        <a:rPr lang="en" i="1">
+                        <a:rPr lang="en" dirty="0" err="1">
                           <a:latin typeface="Consolas"/>
                           <a:ea typeface="Consolas"/>
                           <a:cs typeface="Consolas"/>
                           <a:sym typeface="Consolas"/>
                         </a:rPr>
-                        <a:t>// for std::is_same_v</a:t>
+                        <a:t>type_traits</a:t>
                       </a:r>
-                      <a:endParaRPr i="1">
+                      <a:r>
+                        <a:rPr lang="en" dirty="0">
+                          <a:latin typeface="Consolas"/>
+                          <a:ea typeface="Consolas"/>
+                          <a:cs typeface="Consolas"/>
+                          <a:sym typeface="Consolas"/>
+                        </a:rPr>
+                        <a:t>&gt;      </a:t>
+                      </a:r>
+                      <a:r>
+                        <a:rPr lang="en" i="1" dirty="0">
+                          <a:latin typeface="Consolas"/>
+                          <a:ea typeface="Consolas"/>
+                          <a:cs typeface="Consolas"/>
+                          <a:sym typeface="Consolas"/>
+                        </a:rPr>
+                        <a:t>// for </a:t>
+                      </a:r>
+                      <a:r>
+                        <a:rPr lang="en" i="1" dirty="0" err="1">
+                          <a:latin typeface="Consolas"/>
+                          <a:ea typeface="Consolas"/>
+                          <a:cs typeface="Consolas"/>
+                          <a:sym typeface="Consolas"/>
+                        </a:rPr>
+                        <a:t>std</a:t>
+                      </a:r>
+                      <a:r>
+                        <a:rPr lang="en" i="1" dirty="0">
+                          <a:latin typeface="Consolas"/>
+                          <a:ea typeface="Consolas"/>
+                          <a:cs typeface="Consolas"/>
+                          <a:sym typeface="Consolas"/>
+                        </a:rPr>
+                        <a:t>::</a:t>
+                      </a:r>
+                      <a:r>
+                        <a:rPr lang="en" i="1" dirty="0" err="1">
+                          <a:latin typeface="Consolas"/>
+                          <a:ea typeface="Consolas"/>
+                          <a:cs typeface="Consolas"/>
+                          <a:sym typeface="Consolas"/>
+                        </a:rPr>
+                        <a:t>is_same_v</a:t>
+                      </a:r>
+                      <a:endParaRPr i="1" dirty="0">
                         <a:latin typeface="Consolas"/>
                         <a:ea typeface="Consolas"/>
                         <a:cs typeface="Consolas"/>
@@ -15781,7 +15832,7 @@
                         </a:spcAft>
                         <a:buNone/>
                       </a:pPr>
-                      <a:endParaRPr>
+                      <a:endParaRPr dirty="0">
                         <a:latin typeface="Consolas"/>
                         <a:ea typeface="Consolas"/>
                         <a:cs typeface="Consolas"/>
@@ -15799,15 +15850,78 @@
                         <a:buNone/>
                       </a:pPr>
                       <a:r>
-                        <a:rPr lang="en">
+                        <a:rPr lang="en" dirty="0" err="1">
                           <a:latin typeface="Consolas"/>
                           <a:ea typeface="Consolas"/>
                           <a:cs typeface="Consolas"/>
                           <a:sym typeface="Consolas"/>
                         </a:rPr>
-                        <a:t>static_assert(std::is_same_v&lt;int, </a:t>
+                        <a:t>static_assert</a:t>
                       </a:r>
-                      <a:endParaRPr>
+                      <a:r>
+                        <a:rPr lang="en" dirty="0">
+                          <a:latin typeface="Consolas"/>
+                          <a:ea typeface="Consolas"/>
+                          <a:cs typeface="Consolas"/>
+                          <a:sym typeface="Consolas"/>
+                        </a:rPr>
+                        <a:t>(</a:t>
+                      </a:r>
+                      <a:r>
+                        <a:rPr lang="en" dirty="0" err="1">
+                          <a:latin typeface="Consolas"/>
+                          <a:ea typeface="Consolas"/>
+                          <a:cs typeface="Consolas"/>
+                          <a:sym typeface="Consolas"/>
+                        </a:rPr>
+                        <a:t>std</a:t>
+                      </a:r>
+                      <a:r>
+                        <a:rPr lang="en" dirty="0">
+                          <a:latin typeface="Consolas"/>
+                          <a:ea typeface="Consolas"/>
+                          <a:cs typeface="Consolas"/>
+                          <a:sym typeface="Consolas"/>
+                        </a:rPr>
+                        <a:t>::</a:t>
+                      </a:r>
+                      <a:r>
+                        <a:rPr lang="en" dirty="0" err="1">
+                          <a:latin typeface="Consolas"/>
+                          <a:ea typeface="Consolas"/>
+                          <a:cs typeface="Consolas"/>
+                          <a:sym typeface="Consolas"/>
+                        </a:rPr>
+                        <a:t>is_same_v</a:t>
+                      </a:r>
+                      <a:r>
+                        <a:rPr lang="en" dirty="0">
+                          <a:latin typeface="Consolas"/>
+                          <a:ea typeface="Consolas"/>
+                          <a:cs typeface="Consolas"/>
+                          <a:sym typeface="Consolas"/>
+                        </a:rPr>
+                        <a:t>&lt;</a:t>
+                      </a:r>
+                      <a:r>
+                        <a:rPr lang="en" dirty="0" err="1">
+                          <a:latin typeface="Consolas"/>
+                          <a:ea typeface="Consolas"/>
+                          <a:cs typeface="Consolas"/>
+                          <a:sym typeface="Consolas"/>
+                        </a:rPr>
+                        <a:t>int</a:t>
+                      </a:r>
+                      <a:r>
+                        <a:rPr lang="en" dirty="0">
+                          <a:latin typeface="Consolas"/>
+                          <a:ea typeface="Consolas"/>
+                          <a:cs typeface="Consolas"/>
+                          <a:sym typeface="Consolas"/>
+                        </a:rPr>
+                        <a:t>, </a:t>
+                      </a:r>
+                      <a:endParaRPr dirty="0">
                         <a:latin typeface="Consolas"/>
                         <a:ea typeface="Consolas"/>
                         <a:cs typeface="Consolas"/>
@@ -15825,15 +15939,33 @@
                         <a:buNone/>
                       </a:pPr>
                       <a:r>
-                        <a:rPr lang="en">
+                        <a:rPr lang="en" dirty="0">
                           <a:latin typeface="Consolas"/>
                           <a:ea typeface="Consolas"/>
                           <a:cs typeface="Consolas"/>
                           <a:sym typeface="Consolas"/>
                         </a:rPr>
-                        <a:t>                             If&lt;true, int, float&gt;&gt;);   // passes</a:t>
+                        <a:t>                             If&lt;true, </a:t>
                       </a:r>
-                      <a:endParaRPr>
+                      <a:r>
+                        <a:rPr lang="en" dirty="0" err="1">
+                          <a:latin typeface="Consolas"/>
+                          <a:ea typeface="Consolas"/>
+                          <a:cs typeface="Consolas"/>
+                          <a:sym typeface="Consolas"/>
+                        </a:rPr>
+                        <a:t>int</a:t>
+                      </a:r>
+                      <a:r>
+                        <a:rPr lang="en" dirty="0">
+                          <a:latin typeface="Consolas"/>
+                          <a:ea typeface="Consolas"/>
+                          <a:cs typeface="Consolas"/>
+                          <a:sym typeface="Consolas"/>
+                        </a:rPr>
+                        <a:t>, float&gt;::type&gt;);   // passes</a:t>
+                      </a:r>
+                      <a:endParaRPr dirty="0">
                         <a:latin typeface="Consolas"/>
                         <a:ea typeface="Consolas"/>
                         <a:cs typeface="Consolas"/>
@@ -15856,7 +15988,7 @@
                         <a:buNone/>
                       </a:pPr>
                       <a:r>
-                        <a:rPr lang="en">
+                        <a:rPr lang="en" dirty="0" err="1">
                           <a:solidFill>
                             <a:schemeClr val="dk1"/>
                           </a:solidFill>
@@ -15865,9 +15997,69 @@
                           <a:cs typeface="Consolas"/>
                           <a:sym typeface="Consolas"/>
                         </a:rPr>
-                        <a:t>static_assert(std::is_same_v&lt;float, </a:t>
+                        <a:t>static_assert</a:t>
                       </a:r>
-                      <a:endParaRPr>
+                      <a:r>
+                        <a:rPr lang="en" dirty="0">
+                          <a:solidFill>
+                            <a:schemeClr val="dk1"/>
+                          </a:solidFill>
+                          <a:latin typeface="Consolas"/>
+                          <a:ea typeface="Consolas"/>
+                          <a:cs typeface="Consolas"/>
+                          <a:sym typeface="Consolas"/>
+                        </a:rPr>
+                        <a:t>(</a:t>
+                      </a:r>
+                      <a:r>
+                        <a:rPr lang="en" dirty="0" err="1">
+                          <a:solidFill>
+                            <a:schemeClr val="dk1"/>
+                          </a:solidFill>
+                          <a:latin typeface="Consolas"/>
+                          <a:ea typeface="Consolas"/>
+                          <a:cs typeface="Consolas"/>
+                          <a:sym typeface="Consolas"/>
+                        </a:rPr>
+                        <a:t>std</a:t>
+                      </a:r>
+                      <a:r>
+                        <a:rPr lang="en" dirty="0">
+                          <a:solidFill>
+                            <a:schemeClr val="dk1"/>
+                          </a:solidFill>
+                          <a:latin typeface="Consolas"/>
+                          <a:ea typeface="Consolas"/>
+                          <a:cs typeface="Consolas"/>
+                          <a:sym typeface="Consolas"/>
+                        </a:rPr>
+                        <a:t>::</a:t>
+                      </a:r>
+                      <a:r>
+                        <a:rPr lang="en" dirty="0" err="1">
+                          <a:solidFill>
+                            <a:schemeClr val="dk1"/>
+                          </a:solidFill>
+                          <a:latin typeface="Consolas"/>
+                          <a:ea typeface="Consolas"/>
+                          <a:cs typeface="Consolas"/>
+                          <a:sym typeface="Consolas"/>
+                        </a:rPr>
+                        <a:t>is_same_v</a:t>
+                      </a:r>
+                      <a:r>
+                        <a:rPr lang="en" dirty="0">
+                          <a:solidFill>
+                            <a:schemeClr val="dk1"/>
+                          </a:solidFill>
+                          <a:latin typeface="Consolas"/>
+                          <a:ea typeface="Consolas"/>
+                          <a:cs typeface="Consolas"/>
+                          <a:sym typeface="Consolas"/>
+                        </a:rPr>
+                        <a:t>&lt;float, </a:t>
+                      </a:r>
+                      <a:endParaRPr dirty="0">
                         <a:solidFill>
                           <a:schemeClr val="dk1"/>
                         </a:solidFill>
@@ -15893,6 +16085,42 @@
                         <a:buNone/>
                       </a:pPr>
                       <a:r>
+                        <a:rPr lang="en" dirty="0">
+                          <a:solidFill>
+                            <a:schemeClr val="dk1"/>
+                          </a:solidFill>
+                          <a:latin typeface="Consolas"/>
+                          <a:ea typeface="Consolas"/>
+                          <a:cs typeface="Consolas"/>
+                          <a:sym typeface="Consolas"/>
+                        </a:rPr>
+                        <a:t>                             If&lt;true, </a:t>
+                      </a:r>
+                      <a:r>
+                        <a:rPr lang="en" dirty="0" err="1">
+                          <a:solidFill>
+                            <a:schemeClr val="dk1"/>
+                          </a:solidFill>
+                          <a:latin typeface="Consolas"/>
+                          <a:ea typeface="Consolas"/>
+                          <a:cs typeface="Consolas"/>
+                          <a:sym typeface="Consolas"/>
+                        </a:rPr>
+                        <a:t>int</a:t>
+                      </a:r>
+                      <a:r>
+                        <a:rPr lang="en" dirty="0">
+                          <a:solidFill>
+                            <a:schemeClr val="dk1"/>
+                          </a:solidFill>
+                          <a:latin typeface="Consolas"/>
+                          <a:ea typeface="Consolas"/>
+                          <a:cs typeface="Consolas"/>
+                          <a:sym typeface="Consolas"/>
+                        </a:rPr>
+                        <a:t>, </a:t>
+                      </a:r>
+                      <a:r>
                         <a:rPr lang="en">
                           <a:solidFill>
                             <a:schemeClr val="dk1"/>
@@ -15902,9 +16130,21 @@
                           <a:cs typeface="Consolas"/>
                           <a:sym typeface="Consolas"/>
                         </a:rPr>
-                        <a:t>                             If&lt;true, int, float&gt;&gt;);   // compile-time error</a:t>
+                        <a:t>float&gt;::type&gt;);   </a:t>
                       </a:r>
-                      <a:endParaRPr>
+                      <a:r>
+                        <a:rPr lang="en" dirty="0">
+                          <a:solidFill>
+                            <a:schemeClr val="dk1"/>
+                          </a:solidFill>
+                          <a:latin typeface="Consolas"/>
+                          <a:ea typeface="Consolas"/>
+                          <a:cs typeface="Consolas"/>
+                          <a:sym typeface="Consolas"/>
+                        </a:rPr>
+                        <a:t>// compile-time error</a:t>
+                      </a:r>
+                      <a:endParaRPr dirty="0">
                         <a:solidFill>
                           <a:schemeClr val="dk1"/>
                         </a:solidFill>
@@ -15924,7 +16164,7 @@
                         </a:spcAft>
                         <a:buNone/>
                       </a:pPr>
-                      <a:endParaRPr>
+                      <a:endParaRPr dirty="0">
                         <a:latin typeface="Consolas"/>
                         <a:ea typeface="Consolas"/>
                         <a:cs typeface="Consolas"/>
@@ -22202,7 +22442,7 @@
               </a:spcAft>
               <a:buNone/>
             </a:pPr>
-            <a:endParaRPr/>
+            <a:endParaRPr dirty="0"/>
           </a:p>
           <a:p>
             <a:pPr marL="0" lvl="0" indent="0" algn="l" rtl="0">
@@ -22214,7 +22454,7 @@
               </a:spcAft>
               <a:buNone/>
             </a:pPr>
-            <a:endParaRPr/>
+            <a:endParaRPr dirty="0"/>
           </a:p>
           <a:p>
             <a:pPr marL="0" lvl="0" indent="0" algn="l" rtl="0">
@@ -22227,10 +22467,10 @@
               <a:buNone/>
             </a:pPr>
             <a:r>
-              <a:rPr lang="en" i="1"/>
+              <a:rPr lang="en" i="1" dirty="0"/>
               <a:t>"Any sufficiently complicated C or Fortran program contains an ad-hoc, informally-specified, bug-ridden, slow implementation of half of Common Lisp."</a:t>
             </a:r>
-            <a:endParaRPr i="1"/>
+            <a:endParaRPr i="1" dirty="0"/>
           </a:p>
           <a:p>
             <a:pPr marL="0" lvl="0" indent="0" algn="l" rtl="0">
@@ -22243,10 +22483,10 @@
               <a:buNone/>
             </a:pPr>
             <a:r>
-              <a:rPr lang="en"/>
+              <a:rPr lang="en" dirty="0"/>
               <a:t>credit??</a:t>
             </a:r>
-            <a:endParaRPr/>
+            <a:endParaRPr dirty="0"/>
           </a:p>
         </p:txBody>
       </p:sp>
